--- a/Gesture Based UI.pptx
+++ b/Gesture Based UI.pptx
@@ -325,7 +325,7 @@
             <a:fld id="{3F464FD6-BDDD-4567-822E-4DA7A713EAA4}" type="datetimeFigureOut">
               <a:rPr lang="en-GB" smtClean="0"/>
               <a:pPr/>
-              <a:t>15/04/2016</a:t>
+              <a:t>17/05/2017</a:t>
             </a:fld>
             <a:endParaRPr lang="en-GB"/>
           </a:p>
@@ -521,7 +521,7 @@
             <a:fld id="{3F464FD6-BDDD-4567-822E-4DA7A713EAA4}" type="datetimeFigureOut">
               <a:rPr lang="en-GB" smtClean="0"/>
               <a:pPr/>
-              <a:t>15/04/2016</a:t>
+              <a:t>17/05/2017</a:t>
             </a:fld>
             <a:endParaRPr lang="en-GB"/>
           </a:p>
@@ -711,7 +711,7 @@
             <a:fld id="{3F464FD6-BDDD-4567-822E-4DA7A713EAA4}" type="datetimeFigureOut">
               <a:rPr lang="en-GB" smtClean="0"/>
               <a:pPr/>
-              <a:t>15/04/2016</a:t>
+              <a:t>17/05/2017</a:t>
             </a:fld>
             <a:endParaRPr lang="en-GB"/>
           </a:p>
@@ -942,7 +942,7 @@
             <a:fld id="{3F464FD6-BDDD-4567-822E-4DA7A713EAA4}" type="datetimeFigureOut">
               <a:rPr lang="en-GB" smtClean="0"/>
               <a:pPr/>
-              <a:t>15/04/2016</a:t>
+              <a:t>17/05/2017</a:t>
             </a:fld>
             <a:endParaRPr lang="en-GB"/>
           </a:p>
@@ -1225,7 +1225,7 @@
             <a:fld id="{3F464FD6-BDDD-4567-822E-4DA7A713EAA4}" type="datetimeFigureOut">
               <a:rPr lang="en-GB" smtClean="0"/>
               <a:pPr/>
-              <a:t>15/04/2016</a:t>
+              <a:t>17/05/2017</a:t>
             </a:fld>
             <a:endParaRPr lang="en-GB"/>
           </a:p>
@@ -1515,7 +1515,7 @@
             <a:fld id="{3F464FD6-BDDD-4567-822E-4DA7A713EAA4}" type="datetimeFigureOut">
               <a:rPr lang="en-GB" smtClean="0"/>
               <a:pPr/>
-              <a:t>15/04/2016</a:t>
+              <a:t>17/05/2017</a:t>
             </a:fld>
             <a:endParaRPr lang="en-GB"/>
           </a:p>
@@ -2071,7 +2071,7 @@
             <a:fld id="{3F464FD6-BDDD-4567-822E-4DA7A713EAA4}" type="datetimeFigureOut">
               <a:rPr lang="en-GB" smtClean="0"/>
               <a:pPr/>
-              <a:t>15/04/2016</a:t>
+              <a:t>17/05/2017</a:t>
             </a:fld>
             <a:endParaRPr lang="en-GB"/>
           </a:p>
@@ -2204,7 +2204,7 @@
             <a:fld id="{3F464FD6-BDDD-4567-822E-4DA7A713EAA4}" type="datetimeFigureOut">
               <a:rPr lang="en-GB" smtClean="0"/>
               <a:pPr/>
-              <a:t>15/04/2016</a:t>
+              <a:t>17/05/2017</a:t>
             </a:fld>
             <a:endParaRPr lang="en-GB"/>
           </a:p>
@@ -2356,7 +2356,7 @@
             <a:fld id="{3F464FD6-BDDD-4567-822E-4DA7A713EAA4}" type="datetimeFigureOut">
               <a:rPr lang="en-GB" smtClean="0"/>
               <a:pPr/>
-              <a:t>15/04/2016</a:t>
+              <a:t>17/05/2017</a:t>
             </a:fld>
             <a:endParaRPr lang="en-GB"/>
           </a:p>
@@ -2679,7 +2679,7 @@
             <a:fld id="{3F464FD6-BDDD-4567-822E-4DA7A713EAA4}" type="datetimeFigureOut">
               <a:rPr lang="en-GB" smtClean="0"/>
               <a:pPr/>
-              <a:t>15/04/2016</a:t>
+              <a:t>17/05/2017</a:t>
             </a:fld>
             <a:endParaRPr lang="en-GB"/>
           </a:p>
@@ -2978,7 +2978,7 @@
             <a:fld id="{3F464FD6-BDDD-4567-822E-4DA7A713EAA4}" type="datetimeFigureOut">
               <a:rPr lang="en-GB" smtClean="0"/>
               <a:pPr/>
-              <a:t>15/04/2016</a:t>
+              <a:t>17/05/2017</a:t>
             </a:fld>
             <a:endParaRPr lang="en-GB"/>
           </a:p>
@@ -3225,7 +3225,7 @@
             <a:fld id="{3F464FD6-BDDD-4567-822E-4DA7A713EAA4}" type="datetimeFigureOut">
               <a:rPr lang="en-GB" smtClean="0"/>
               <a:pPr/>
-              <a:t>15/04/2016</a:t>
+              <a:t>17/05/2017</a:t>
             </a:fld>
             <a:endParaRPr lang="en-GB"/>
           </a:p>
@@ -3763,7 +3763,7 @@
         <p:spPr>
           <a:xfrm>
             <a:off x="5436096" y="4869160"/>
-            <a:ext cx="3528392" cy="1754326"/>
+            <a:ext cx="3528392" cy="646331"/>
           </a:xfrm>
           <a:prstGeom prst="rect">
             <a:avLst/>
@@ -3784,7 +3784,7 @@
               <a:t>James </a:t>
             </a:r>
             <a:r>
-              <a:rPr lang="en-GB" sz="3600" dirty="0" err="1" smtClean="0">
+              <a:rPr lang="en-GB" sz="3600" smtClean="0">
                 <a:solidFill>
                   <a:srgbClr val="C00000"/>
                 </a:solidFill>
@@ -3792,55 +3792,6 @@
               <a:t>Ngondo</a:t>
             </a:r>
             <a:endParaRPr lang="en-GB" sz="3600" dirty="0" smtClean="0">
-              <a:solidFill>
-                <a:srgbClr val="C00000"/>
-              </a:solidFill>
-            </a:endParaRPr>
-          </a:p>
-          <a:p>
-            <a:r>
-              <a:rPr lang="en-GB" sz="3600" dirty="0" err="1" smtClean="0">
-                <a:solidFill>
-                  <a:srgbClr val="C00000"/>
-                </a:solidFill>
-              </a:rPr>
-              <a:t>Hary</a:t>
-            </a:r>
-            <a:r>
-              <a:rPr lang="en-GB" sz="3600" dirty="0" smtClean="0">
-                <a:solidFill>
-                  <a:srgbClr val="C00000"/>
-                </a:solidFill>
-              </a:rPr>
-              <a:t> Wang</a:t>
-            </a:r>
-          </a:p>
-          <a:p>
-            <a:r>
-              <a:rPr lang="en-GB" sz="3600" dirty="0" err="1" smtClean="0">
-                <a:solidFill>
-                  <a:srgbClr val="C00000"/>
-                </a:solidFill>
-              </a:rPr>
-              <a:t>Julien</a:t>
-            </a:r>
-            <a:r>
-              <a:rPr lang="en-GB" sz="3600" dirty="0" smtClean="0">
-                <a:solidFill>
-                  <a:srgbClr val="C00000"/>
-                </a:solidFill>
-              </a:rPr>
-              <a:t> </a:t>
-            </a:r>
-            <a:r>
-              <a:rPr lang="en-GB" sz="3600" dirty="0" err="1" smtClean="0">
-                <a:solidFill>
-                  <a:srgbClr val="C00000"/>
-                </a:solidFill>
-              </a:rPr>
-              <a:t>Yaho</a:t>
-            </a:r>
-            <a:endParaRPr lang="en-GB" sz="3600" dirty="0">
               <a:solidFill>
                 <a:srgbClr val="C00000"/>
               </a:solidFill>
@@ -3935,15 +3886,7 @@
           <a:p>
             <a:r>
               <a:rPr lang="en-GB" dirty="0" smtClean="0"/>
-              <a:t>Minimize our dependence on huge hardware and software systems </a:t>
-            </a:r>
-            <a:r>
-              <a:rPr lang="en-GB" dirty="0" smtClean="0"/>
-              <a:t>that </a:t>
-            </a:r>
-            <a:r>
-              <a:rPr lang="en-GB" dirty="0" smtClean="0"/>
-              <a:t>control robots and other devices</a:t>
+              <a:t>Minimize our dependence on huge hardware and software systems that control robots and other devices</a:t>
             </a:r>
           </a:p>
           <a:p>
@@ -4252,24 +4195,16 @@
           <a:p>
             <a:r>
               <a:rPr lang="en-GB" sz="4000" dirty="0" smtClean="0"/>
-              <a:t>I</a:t>
-            </a:r>
+              <a:t>Interact with robots</a:t>
+            </a:r>
+          </a:p>
+          <a:p>
+            <a:endParaRPr lang="en-GB" sz="4000" dirty="0" smtClean="0"/>
+          </a:p>
+          <a:p>
             <a:r>
               <a:rPr lang="en-GB" sz="4000" dirty="0" smtClean="0"/>
-              <a:t>nteract with robots</a:t>
-            </a:r>
-          </a:p>
-          <a:p>
-            <a:endParaRPr lang="en-GB" sz="4000" dirty="0" smtClean="0"/>
-          </a:p>
-          <a:p>
-            <a:r>
-              <a:rPr lang="en-GB" sz="4000" dirty="0" smtClean="0"/>
-              <a:t>Learn to assemble e</a:t>
-            </a:r>
-            <a:r>
-              <a:rPr lang="en-GB" sz="4000" dirty="0" smtClean="0"/>
-              <a:t>lectronic components</a:t>
+              <a:t>Learn to assemble electronic components</a:t>
             </a:r>
           </a:p>
           <a:p>
@@ -4280,7 +4215,6 @@
               <a:rPr lang="en-GB" sz="4000" dirty="0" smtClean="0"/>
               <a:t>Programming in C</a:t>
             </a:r>
-            <a:endParaRPr lang="en-GB" sz="4000" dirty="0" smtClean="0"/>
           </a:p>
           <a:p>
             <a:endParaRPr lang="en-GB" sz="4000" dirty="0"/>
